--- a/Default prediction model_completed.pptx
+++ b/Default prediction model_completed.pptx
@@ -138,6 +138,35 @@
     <p1510:client id="{7EF9C819-F427-4753-9A5B-83F837DC536F}" v="1" dt="2020-12-12T11:17:54.959"/>
   </p1510:revLst>
 </p1510:revInfo>
+</file>
+
+<file path=ppt/changesInfos/changesInfo1.xml><?xml version="1.0" encoding="utf-8"?>
+<pc:chgInfo xmlns:a="http://schemas.openxmlformats.org/drawingml/2006/main" xmlns:r="http://schemas.openxmlformats.org/officeDocument/2006/relationships" xmlns:ac="http://schemas.microsoft.com/office/drawing/2013/main/command" xmlns:pc="http://schemas.microsoft.com/office/powerpoint/2013/main/command">
+  <pc:docChgLst>
+    <pc:chgData name="Benedikt Roth" userId="af14ea373a273bf1" providerId="LiveId" clId="{4DD1C074-100B-45C5-B874-62A408BDE393}"/>
+    <pc:docChg chg="modSld">
+      <pc:chgData name="Benedikt Roth" userId="af14ea373a273bf1" providerId="LiveId" clId="{4DD1C074-100B-45C5-B874-62A408BDE393}" dt="2020-12-12T13:34:36.661" v="4" actId="20577"/>
+      <pc:docMkLst>
+        <pc:docMk/>
+      </pc:docMkLst>
+      <pc:sldChg chg="modSp mod">
+        <pc:chgData name="Benedikt Roth" userId="af14ea373a273bf1" providerId="LiveId" clId="{4DD1C074-100B-45C5-B874-62A408BDE393}" dt="2020-12-12T13:34:36.661" v="4" actId="20577"/>
+        <pc:sldMkLst>
+          <pc:docMk/>
+          <pc:sldMk cId="1555843968" sldId="272"/>
+        </pc:sldMkLst>
+        <pc:spChg chg="mod">
+          <ac:chgData name="Benedikt Roth" userId="af14ea373a273bf1" providerId="LiveId" clId="{4DD1C074-100B-45C5-B874-62A408BDE393}" dt="2020-12-12T13:34:36.661" v="4" actId="20577"/>
+          <ac:spMkLst>
+            <pc:docMk/>
+            <pc:sldMk cId="1555843968" sldId="272"/>
+            <ac:spMk id="7" creationId="{70745053-D065-44B1-99BB-72D7D9145F7F}"/>
+          </ac:spMkLst>
+        </pc:spChg>
+      </pc:sldChg>
+    </pc:docChg>
+  </pc:docChgLst>
+</pc:chgInfo>
 </file>
 
 <file path=ppt/slideLayouts/slideLayout1.xml><?xml version="1.0" encoding="utf-8"?>
@@ -11676,7 +11705,7 @@
         <p:spPr>
           <a:xfrm>
             <a:off x="1823207" y="2278465"/>
-            <a:ext cx="6297335" cy="3416320"/>
+            <a:ext cx="6297335" cy="3139321"/>
           </a:xfrm>
           <a:prstGeom prst="rect">
             <a:avLst/>
@@ -11693,15 +11722,6 @@
               <a:buFont typeface="Arial" panose="020B0604020202020204" pitchFamily="34" charset="0"/>
               <a:buChar char="•"/>
             </a:pPr>
-            <a:r>
-              <a:rPr lang="en-US" dirty="0"/>
-              <a:t>Analyze data according to demographics and adapt model</a:t>
-            </a:r>
-          </a:p>
-          <a:p>
-            <a:endParaRPr lang="en-US" dirty="0"/>
-          </a:p>
-          <a:p>
             <a:endParaRPr lang="en-US" dirty="0"/>
           </a:p>
           <a:p>
@@ -11709,9 +11729,16 @@
               <a:buFont typeface="Arial" panose="020B0604020202020204" pitchFamily="34" charset="0"/>
               <a:buChar char="•"/>
             </a:pPr>
+            <a:endParaRPr lang="en-US" dirty="0"/>
+          </a:p>
+          <a:p>
+            <a:pPr marL="285750" indent="-285750">
+              <a:buFont typeface="Arial" panose="020B0604020202020204" pitchFamily="34" charset="0"/>
+              <a:buChar char="•"/>
+            </a:pPr>
             <a:r>
               <a:rPr lang="en-US" dirty="0"/>
-              <a:t>Handling imbalanced dataset (default feature)</a:t>
+              <a:t>Analyze data according to demographics and adapt model</a:t>
             </a:r>
           </a:p>
           <a:p>
